--- a/Data Mining-Project_PPT-Peer-to-Peer Lending.pptx
+++ b/Data Mining-Project_PPT-Peer-to-Peer Lending.pptx
@@ -12986,7 +12986,15 @@
           <a:p>
             <a:r>
               <a:rPr lang="en-US" dirty="0"/>
-              <a:t>In order to improve the accuracy we performed the over-sampling of data with respect to the charge-off records.</a:t>
+              <a:t>In order to improve the accuracy we performed </a:t>
+            </a:r>
+            <a:r>
+              <a:rPr lang="en-US"/>
+              <a:t>the Under-sampling </a:t>
+            </a:r>
+            <a:r>
+              <a:rPr lang="en-US" dirty="0"/>
+              <a:t>of data with respect to the charge-off records.</a:t>
             </a:r>
           </a:p>
           <a:p>
